--- a/파이썬 1.pptx
+++ b/파이썬 1.pptx
@@ -11340,7 +11340,7 @@
         </p:nvSpPr>
         <p:spPr>
           <a:xfrm>
-            <a:off x="1475656" y="1916832"/>
+            <a:off x="1547664" y="1916832"/>
             <a:ext cx="6534472" cy="3693319"/>
           </a:xfrm>
           <a:prstGeom prst="rect">
@@ -13125,6 +13125,22 @@
             </a:r>
             <a:r>
               <a:rPr lang="en-US" altLang="ko-KR" sz="1800" dirty="0"/>
+              <a:t>. //</a:t>
+            </a:r>
+            <a:r>
+              <a:rPr lang="ko-KR" altLang="en-US" sz="1800" dirty="0"/>
+              <a:t>주소가 </a:t>
+            </a:r>
+            <a:r>
+              <a:rPr lang="ko-KR" altLang="en-US" sz="1800" dirty="0" err="1"/>
+              <a:t>같은곳을</a:t>
+            </a:r>
+            <a:r>
+              <a:rPr lang="ko-KR" altLang="en-US" sz="1800" dirty="0"/>
+              <a:t> 말하는지 여부</a:t>
+            </a:r>
+            <a:r>
+              <a:rPr lang="en-US" altLang="ko-KR" sz="1800" dirty="0"/>
               <a:t>.</a:t>
             </a:r>
             <a:endParaRPr lang="ko-KR" altLang="en-US" sz="1800" dirty="0"/>
@@ -15516,7 +15532,7 @@
             </a:r>
             <a:r>
               <a:rPr lang="ko-KR" altLang="en-US" dirty="0"/>
-              <a:t>출력</a:t>
+              <a:t>출력 몫</a:t>
             </a:r>
           </a:p>
           <a:p>
